--- a/기본.pptx
+++ b/기본.pptx
@@ -104,6 +104,11 @@
       </a:defRPr>
     </a:lvl9pPr>
   </p:defaultTextStyle>
+  <p:extLst>
+    <p:ext uri="{EFAFB233-063F-42B5-8137-9DF3F51BA10A}">
+      <p15:sldGuideLst xmlns:p15="http://schemas.microsoft.com/office/powerpoint/2012/main"/>
+    </p:ext>
+  </p:extLst>
 </p:presentation>
 </file>
 
@@ -3711,7 +3716,7 @@
         <p:spPr>
           <a:xfrm>
             <a:off x="1022411" y="3179373"/>
-            <a:ext cx="10147177" cy="1754326"/>
+            <a:ext cx="10147177" cy="2031325"/>
           </a:xfrm>
           <a:prstGeom prst="rect">
             <a:avLst/>
@@ -3918,18 +3923,63 @@
               <a:t> 모드도 가능하게 작업할 예정인데 이 부분은 어떻게 하는가</a:t>
             </a:r>
             <a:r>
-              <a:rPr lang="en-US" altLang="ko-KR">
+              <a:rPr lang="en-US" altLang="ko-KR" dirty="0">
                 <a:latin typeface="Pretendard SemiBold" panose="02000703000000020004" pitchFamily="50" charset="-127"/>
                 <a:ea typeface="Pretendard SemiBold" panose="02000703000000020004" pitchFamily="50" charset="-127"/>
                 <a:cs typeface="Pretendard SemiBold" panose="02000703000000020004" pitchFamily="50" charset="-127"/>
               </a:rPr>
               <a:t>.</a:t>
             </a:r>
-            <a:endParaRPr lang="en-US" altLang="ko-KR" dirty="0">
-              <a:latin typeface="Pretendard SemiBold" panose="02000703000000020004" pitchFamily="50" charset="-127"/>
-              <a:ea typeface="Pretendard SemiBold" panose="02000703000000020004" pitchFamily="50" charset="-127"/>
-              <a:cs typeface="Pretendard SemiBold" panose="02000703000000020004" pitchFamily="50" charset="-127"/>
-            </a:endParaRPr>
+          </a:p>
+          <a:p>
+            <a:r>
+              <a:rPr lang="ko-KR" altLang="en-US" dirty="0">
+                <a:latin typeface="Pretendard SemiBold" panose="02000703000000020004" pitchFamily="50" charset="-127"/>
+                <a:ea typeface="Pretendard SemiBold" panose="02000703000000020004" pitchFamily="50" charset="-127"/>
+                <a:cs typeface="Pretendard SemiBold" panose="02000703000000020004" pitchFamily="50" charset="-127"/>
+              </a:rPr>
+              <a:t>등록은 </a:t>
+            </a:r>
+            <a:r>
+              <a:rPr lang="en-US" altLang="ko-KR" dirty="0">
+                <a:latin typeface="Pretendard SemiBold" panose="02000703000000020004" pitchFamily="50" charset="-127"/>
+                <a:ea typeface="Pretendard SemiBold" panose="02000703000000020004" pitchFamily="50" charset="-127"/>
+                <a:cs typeface="Pretendard SemiBold" panose="02000703000000020004" pitchFamily="50" charset="-127"/>
+              </a:rPr>
+              <a:t>IP </a:t>
+            </a:r>
+            <a:r>
+              <a:rPr lang="ko-KR" altLang="en-US" dirty="0">
+                <a:latin typeface="Pretendard SemiBold" panose="02000703000000020004" pitchFamily="50" charset="-127"/>
+                <a:ea typeface="Pretendard SemiBold" panose="02000703000000020004" pitchFamily="50" charset="-127"/>
+                <a:cs typeface="Pretendard SemiBold" panose="02000703000000020004" pitchFamily="50" charset="-127"/>
+              </a:rPr>
+              <a:t>저장해서 </a:t>
+            </a:r>
+            <a:r>
+              <a:rPr lang="en-US" altLang="ko-KR" dirty="0">
+                <a:latin typeface="Pretendard SemiBold" panose="02000703000000020004" pitchFamily="50" charset="-127"/>
+                <a:ea typeface="Pretendard SemiBold" panose="02000703000000020004" pitchFamily="50" charset="-127"/>
+                <a:cs typeface="Pretendard SemiBold" panose="02000703000000020004" pitchFamily="50" charset="-127"/>
+              </a:rPr>
+              <a:t>history</a:t>
+            </a:r>
+            <a:r>
+              <a:rPr lang="ko-KR" altLang="en-US" dirty="0">
+                <a:latin typeface="Pretendard SemiBold" panose="02000703000000020004" pitchFamily="50" charset="-127"/>
+                <a:ea typeface="Pretendard SemiBold" panose="02000703000000020004" pitchFamily="50" charset="-127"/>
+                <a:cs typeface="Pretendard SemiBold" panose="02000703000000020004" pitchFamily="50" charset="-127"/>
+              </a:rPr>
+              <a:t> 넘겨야 할 듯</a:t>
+            </a:r>
+            <a:r>
+              <a:rPr lang="en-US" altLang="ko-KR" dirty="0">
+                <a:latin typeface="Pretendard SemiBold" panose="02000703000000020004" pitchFamily="50" charset="-127"/>
+                <a:ea typeface="Pretendard SemiBold" panose="02000703000000020004" pitchFamily="50" charset="-127"/>
+                <a:cs typeface="Pretendard SemiBold" panose="02000703000000020004" pitchFamily="50" charset="-127"/>
+              </a:rPr>
+              <a:t>.</a:t>
+            </a:r>
           </a:p>
         </p:txBody>
       </p:sp>
